--- a/data-viz-03/component/connect-averages.pptx
+++ b/data-viz-03/component/connect-averages.pptx
@@ -5248,7 +5248,7 @@
       </p:sp>
       <p:pic>
         <p:nvPicPr>
-          <p:cNvPr descr="../images/r/average-with-data.png" id="0" name="Picture 1"/>
+          <p:cNvPr descr="../images/r/exercise-average.png" id="0" name="Picture 1"/>
           <p:cNvPicPr>
             <a:picLocks noGrp="1" noChangeAspect="1"/>
           </p:cNvPicPr>
